--- a/Uivarosi Gábriel/Recept alkalmazás.pptx
+++ b/Uivarosi Gábriel/Recept alkalmazás.pptx
@@ -112,6 +112,11 @@
       </a:defRPr>
     </a:lvl9pPr>
   </p:defaultTextStyle>
+  <p:extLst>
+    <p:ext uri="{EFAFB233-063F-42B5-8137-9DF3F51BA10A}">
+      <p15:sldGuideLst xmlns:p15="http://schemas.microsoft.com/office/powerpoint/2012/main"/>
+    </p:ext>
+  </p:extLst>
 </p:presentation>
 </file>
 
@@ -837,7 +842,7 @@
           <a:p>
             <a:fld id="{B71EBB2C-5723-458F-BDA9-B5D99296787B}" type="datetimeFigureOut">
               <a:rPr lang="en-GB" smtClean="0"/>
-              <a:t>03/04/2024</a:t>
+              <a:t>04/04/2024</a:t>
             </a:fld>
             <a:endParaRPr lang="en-GB"/>
           </a:p>
@@ -895,13 +900,13 @@
   <p:clrMapOvr>
     <a:masterClrMapping/>
   </p:clrMapOvr>
-  <mc:AlternateContent xmlns:mc="http://schemas.openxmlformats.org/markup-compatibility/2006">
-    <mc:Choice xmlns:p14="http://schemas.microsoft.com/office/powerpoint/2010/main" Requires="p14">
+  <mc:AlternateContent xmlns:mc="http://schemas.openxmlformats.org/markup-compatibility/2006" xmlns:p14="http://schemas.microsoft.com/office/powerpoint/2010/main">
+    <mc:Choice Requires="p14">
       <p:transition spd="slow" p14:dur="1750">
         <p14:honeycomb/>
       </p:transition>
     </mc:Choice>
-    <mc:Fallback>
+    <mc:Fallback xmlns="">
       <p:transition spd="slow">
         <p:fade/>
       </p:transition>
@@ -1100,7 +1105,7 @@
           <a:p>
             <a:fld id="{B71EBB2C-5723-458F-BDA9-B5D99296787B}" type="datetimeFigureOut">
               <a:rPr lang="en-GB" smtClean="0"/>
-              <a:t>03/04/2024</a:t>
+              <a:t>04/04/2024</a:t>
             </a:fld>
             <a:endParaRPr lang="en-GB"/>
           </a:p>
@@ -1158,13 +1163,13 @@
   <p:clrMapOvr>
     <a:masterClrMapping/>
   </p:clrMapOvr>
-  <mc:AlternateContent xmlns:mc="http://schemas.openxmlformats.org/markup-compatibility/2006">
-    <mc:Choice xmlns:p14="http://schemas.microsoft.com/office/powerpoint/2010/main" Requires="p14">
+  <mc:AlternateContent xmlns:mc="http://schemas.openxmlformats.org/markup-compatibility/2006" xmlns:p14="http://schemas.microsoft.com/office/powerpoint/2010/main">
+    <mc:Choice Requires="p14">
       <p:transition spd="slow" p14:dur="1750">
         <p14:honeycomb/>
       </p:transition>
     </mc:Choice>
-    <mc:Fallback>
+    <mc:Fallback xmlns="">
       <p:transition spd="slow">
         <p:fade/>
       </p:transition>
@@ -1426,7 +1431,7 @@
           <a:p>
             <a:fld id="{B71EBB2C-5723-458F-BDA9-B5D99296787B}" type="datetimeFigureOut">
               <a:rPr lang="en-GB" smtClean="0"/>
-              <a:t>03/04/2024</a:t>
+              <a:t>04/04/2024</a:t>
             </a:fld>
             <a:endParaRPr lang="en-GB"/>
           </a:p>
@@ -1574,13 +1579,13 @@
   <p:clrMapOvr>
     <a:masterClrMapping/>
   </p:clrMapOvr>
-  <mc:AlternateContent xmlns:mc="http://schemas.openxmlformats.org/markup-compatibility/2006">
-    <mc:Choice xmlns:p14="http://schemas.microsoft.com/office/powerpoint/2010/main" Requires="p14">
+  <mc:AlternateContent xmlns:mc="http://schemas.openxmlformats.org/markup-compatibility/2006" xmlns:p14="http://schemas.microsoft.com/office/powerpoint/2010/main">
+    <mc:Choice Requires="p14">
       <p:transition spd="slow" p14:dur="1750">
         <p14:honeycomb/>
       </p:transition>
     </mc:Choice>
-    <mc:Fallback>
+    <mc:Fallback xmlns="">
       <p:transition spd="slow">
         <p:fade/>
       </p:transition>
@@ -1779,7 +1784,7 @@
           <a:p>
             <a:fld id="{B71EBB2C-5723-458F-BDA9-B5D99296787B}" type="datetimeFigureOut">
               <a:rPr lang="en-GB" smtClean="0"/>
-              <a:t>03/04/2024</a:t>
+              <a:t>04/04/2024</a:t>
             </a:fld>
             <a:endParaRPr lang="en-GB"/>
           </a:p>
@@ -1837,13 +1842,13 @@
   <p:clrMapOvr>
     <a:masterClrMapping/>
   </p:clrMapOvr>
-  <mc:AlternateContent xmlns:mc="http://schemas.openxmlformats.org/markup-compatibility/2006">
-    <mc:Choice xmlns:p14="http://schemas.microsoft.com/office/powerpoint/2010/main" Requires="p14">
+  <mc:AlternateContent xmlns:mc="http://schemas.openxmlformats.org/markup-compatibility/2006" xmlns:p14="http://schemas.microsoft.com/office/powerpoint/2010/main">
+    <mc:Choice Requires="p14">
       <p:transition spd="slow" p14:dur="1750">
         <p14:honeycomb/>
       </p:transition>
     </mc:Choice>
-    <mc:Fallback>
+    <mc:Fallback xmlns="">
       <p:transition spd="slow">
         <p:fade/>
       </p:transition>
@@ -2105,7 +2110,7 @@
           <a:p>
             <a:fld id="{B71EBB2C-5723-458F-BDA9-B5D99296787B}" type="datetimeFigureOut">
               <a:rPr lang="en-GB" smtClean="0"/>
-              <a:t>03/04/2024</a:t>
+              <a:t>04/04/2024</a:t>
             </a:fld>
             <a:endParaRPr lang="en-GB"/>
           </a:p>
@@ -2245,13 +2250,13 @@
   <p:clrMapOvr>
     <a:masterClrMapping/>
   </p:clrMapOvr>
-  <mc:AlternateContent xmlns:mc="http://schemas.openxmlformats.org/markup-compatibility/2006">
-    <mc:Choice xmlns:p14="http://schemas.microsoft.com/office/powerpoint/2010/main" Requires="p14">
+  <mc:AlternateContent xmlns:mc="http://schemas.openxmlformats.org/markup-compatibility/2006" xmlns:p14="http://schemas.microsoft.com/office/powerpoint/2010/main">
+    <mc:Choice Requires="p14">
       <p:transition spd="slow" p14:dur="1750">
         <p14:honeycomb/>
       </p:transition>
     </mc:Choice>
-    <mc:Fallback>
+    <mc:Fallback xmlns="">
       <p:transition spd="slow">
         <p:fade/>
       </p:transition>
@@ -2510,7 +2515,7 @@
           <a:p>
             <a:fld id="{B71EBB2C-5723-458F-BDA9-B5D99296787B}" type="datetimeFigureOut">
               <a:rPr lang="en-GB" smtClean="0"/>
-              <a:t>03/04/2024</a:t>
+              <a:t>04/04/2024</a:t>
             </a:fld>
             <a:endParaRPr lang="en-GB"/>
           </a:p>
@@ -2568,13 +2573,13 @@
   <p:clrMapOvr>
     <a:masterClrMapping/>
   </p:clrMapOvr>
-  <mc:AlternateContent xmlns:mc="http://schemas.openxmlformats.org/markup-compatibility/2006">
-    <mc:Choice xmlns:p14="http://schemas.microsoft.com/office/powerpoint/2010/main" Requires="p14">
+  <mc:AlternateContent xmlns:mc="http://schemas.openxmlformats.org/markup-compatibility/2006" xmlns:p14="http://schemas.microsoft.com/office/powerpoint/2010/main">
+    <mc:Choice Requires="p14">
       <p:transition spd="slow" p14:dur="1750">
         <p14:honeycomb/>
       </p:transition>
     </mc:Choice>
-    <mc:Fallback>
+    <mc:Fallback xmlns="">
       <p:transition spd="slow">
         <p:fade/>
       </p:transition>
@@ -2692,7 +2697,7 @@
           <a:p>
             <a:fld id="{B71EBB2C-5723-458F-BDA9-B5D99296787B}" type="datetimeFigureOut">
               <a:rPr lang="en-GB" smtClean="0"/>
-              <a:t>03/04/2024</a:t>
+              <a:t>04/04/2024</a:t>
             </a:fld>
             <a:endParaRPr lang="en-GB"/>
           </a:p>
@@ -2750,13 +2755,13 @@
   <p:clrMapOvr>
     <a:masterClrMapping/>
   </p:clrMapOvr>
-  <mc:AlternateContent xmlns:mc="http://schemas.openxmlformats.org/markup-compatibility/2006">
-    <mc:Choice xmlns:p14="http://schemas.microsoft.com/office/powerpoint/2010/main" Requires="p14">
+  <mc:AlternateContent xmlns:mc="http://schemas.openxmlformats.org/markup-compatibility/2006" xmlns:p14="http://schemas.microsoft.com/office/powerpoint/2010/main">
+    <mc:Choice Requires="p14">
       <p:transition spd="slow" p14:dur="1750">
         <p14:honeycomb/>
       </p:transition>
     </mc:Choice>
-    <mc:Fallback>
+    <mc:Fallback xmlns="">
       <p:transition spd="slow">
         <p:fade/>
       </p:transition>
@@ -2884,7 +2889,7 @@
           <a:p>
             <a:fld id="{B71EBB2C-5723-458F-BDA9-B5D99296787B}" type="datetimeFigureOut">
               <a:rPr lang="en-GB" smtClean="0"/>
-              <a:t>03/04/2024</a:t>
+              <a:t>04/04/2024</a:t>
             </a:fld>
             <a:endParaRPr lang="en-GB"/>
           </a:p>
@@ -2942,13 +2947,13 @@
   <p:clrMapOvr>
     <a:masterClrMapping/>
   </p:clrMapOvr>
-  <mc:AlternateContent xmlns:mc="http://schemas.openxmlformats.org/markup-compatibility/2006">
-    <mc:Choice xmlns:p14="http://schemas.microsoft.com/office/powerpoint/2010/main" Requires="p14">
+  <mc:AlternateContent xmlns:mc="http://schemas.openxmlformats.org/markup-compatibility/2006" xmlns:p14="http://schemas.microsoft.com/office/powerpoint/2010/main">
+    <mc:Choice Requires="p14">
       <p:transition spd="slow" p14:dur="1750">
         <p14:honeycomb/>
       </p:transition>
     </mc:Choice>
-    <mc:Fallback>
+    <mc:Fallback xmlns="">
       <p:transition spd="slow">
         <p:fade/>
       </p:transition>
@@ -3072,7 +3077,7 @@
           <a:p>
             <a:fld id="{B71EBB2C-5723-458F-BDA9-B5D99296787B}" type="datetimeFigureOut">
               <a:rPr lang="en-GB" smtClean="0"/>
-              <a:t>03/04/2024</a:t>
+              <a:t>04/04/2024</a:t>
             </a:fld>
             <a:endParaRPr lang="en-GB"/>
           </a:p>
@@ -3130,13 +3135,13 @@
   <p:clrMapOvr>
     <a:masterClrMapping/>
   </p:clrMapOvr>
-  <mc:AlternateContent xmlns:mc="http://schemas.openxmlformats.org/markup-compatibility/2006">
-    <mc:Choice xmlns:p14="http://schemas.microsoft.com/office/powerpoint/2010/main" Requires="p14">
+  <mc:AlternateContent xmlns:mc="http://schemas.openxmlformats.org/markup-compatibility/2006" xmlns:p14="http://schemas.microsoft.com/office/powerpoint/2010/main">
+    <mc:Choice Requires="p14">
       <p:transition spd="slow" p14:dur="1750">
         <p14:honeycomb/>
       </p:transition>
     </mc:Choice>
-    <mc:Fallback>
+    <mc:Fallback xmlns="">
       <p:transition spd="slow">
         <p:fade/>
       </p:transition>
@@ -3331,7 +3336,7 @@
           <a:p>
             <a:fld id="{B71EBB2C-5723-458F-BDA9-B5D99296787B}" type="datetimeFigureOut">
               <a:rPr lang="en-GB" smtClean="0"/>
-              <a:t>03/04/2024</a:t>
+              <a:t>04/04/2024</a:t>
             </a:fld>
             <a:endParaRPr lang="en-GB"/>
           </a:p>
@@ -3389,13 +3394,13 @@
   <p:clrMapOvr>
     <a:masterClrMapping/>
   </p:clrMapOvr>
-  <mc:AlternateContent xmlns:mc="http://schemas.openxmlformats.org/markup-compatibility/2006">
-    <mc:Choice xmlns:p14="http://schemas.microsoft.com/office/powerpoint/2010/main" Requires="p14">
+  <mc:AlternateContent xmlns:mc="http://schemas.openxmlformats.org/markup-compatibility/2006" xmlns:p14="http://schemas.microsoft.com/office/powerpoint/2010/main">
+    <mc:Choice Requires="p14">
       <p:transition spd="slow" p14:dur="1750">
         <p14:honeycomb/>
       </p:transition>
     </mc:Choice>
-    <mc:Fallback>
+    <mc:Fallback xmlns="">
       <p:transition spd="slow">
         <p:fade/>
       </p:transition>
@@ -3575,7 +3580,7 @@
           <a:p>
             <a:fld id="{B71EBB2C-5723-458F-BDA9-B5D99296787B}" type="datetimeFigureOut">
               <a:rPr lang="en-GB" smtClean="0"/>
-              <a:t>03/04/2024</a:t>
+              <a:t>04/04/2024</a:t>
             </a:fld>
             <a:endParaRPr lang="en-GB"/>
           </a:p>
@@ -3633,13 +3638,13 @@
   <p:clrMapOvr>
     <a:masterClrMapping/>
   </p:clrMapOvr>
-  <mc:AlternateContent xmlns:mc="http://schemas.openxmlformats.org/markup-compatibility/2006">
-    <mc:Choice xmlns:p14="http://schemas.microsoft.com/office/powerpoint/2010/main" Requires="p14">
+  <mc:AlternateContent xmlns:mc="http://schemas.openxmlformats.org/markup-compatibility/2006" xmlns:p14="http://schemas.microsoft.com/office/powerpoint/2010/main">
+    <mc:Choice Requires="p14">
       <p:transition spd="slow" p14:dur="1750">
         <p14:honeycomb/>
       </p:transition>
     </mc:Choice>
-    <mc:Fallback>
+    <mc:Fallback xmlns="">
       <p:transition spd="slow">
         <p:fade/>
       </p:transition>
@@ -3961,7 +3966,7 @@
           <a:p>
             <a:fld id="{B71EBB2C-5723-458F-BDA9-B5D99296787B}" type="datetimeFigureOut">
               <a:rPr lang="en-GB" smtClean="0"/>
-              <a:t>03/04/2024</a:t>
+              <a:t>04/04/2024</a:t>
             </a:fld>
             <a:endParaRPr lang="en-GB"/>
           </a:p>
@@ -4019,13 +4024,13 @@
   <p:clrMapOvr>
     <a:masterClrMapping/>
   </p:clrMapOvr>
-  <mc:AlternateContent xmlns:mc="http://schemas.openxmlformats.org/markup-compatibility/2006">
-    <mc:Choice xmlns:p14="http://schemas.microsoft.com/office/powerpoint/2010/main" Requires="p14">
+  <mc:AlternateContent xmlns:mc="http://schemas.openxmlformats.org/markup-compatibility/2006" xmlns:p14="http://schemas.microsoft.com/office/powerpoint/2010/main">
+    <mc:Choice Requires="p14">
       <p:transition spd="slow" p14:dur="1750">
         <p14:honeycomb/>
       </p:transition>
     </mc:Choice>
-    <mc:Fallback>
+    <mc:Fallback xmlns="">
       <p:transition spd="slow">
         <p:fade/>
       </p:transition>
@@ -4096,7 +4101,7 @@
           <a:p>
             <a:fld id="{B71EBB2C-5723-458F-BDA9-B5D99296787B}" type="datetimeFigureOut">
               <a:rPr lang="en-GB" smtClean="0"/>
-              <a:t>03/04/2024</a:t>
+              <a:t>04/04/2024</a:t>
             </a:fld>
             <a:endParaRPr lang="en-GB"/>
           </a:p>
@@ -4154,13 +4159,13 @@
   <p:clrMapOvr>
     <a:masterClrMapping/>
   </p:clrMapOvr>
-  <mc:AlternateContent xmlns:mc="http://schemas.openxmlformats.org/markup-compatibility/2006">
-    <mc:Choice xmlns:p14="http://schemas.microsoft.com/office/powerpoint/2010/main" Requires="p14">
+  <mc:AlternateContent xmlns:mc="http://schemas.openxmlformats.org/markup-compatibility/2006" xmlns:p14="http://schemas.microsoft.com/office/powerpoint/2010/main">
+    <mc:Choice Requires="p14">
       <p:transition spd="slow" p14:dur="1750">
         <p14:honeycomb/>
       </p:transition>
     </mc:Choice>
-    <mc:Fallback>
+    <mc:Fallback xmlns="">
       <p:transition spd="slow">
         <p:fade/>
       </p:transition>
@@ -4203,7 +4208,7 @@
           <a:p>
             <a:fld id="{B71EBB2C-5723-458F-BDA9-B5D99296787B}" type="datetimeFigureOut">
               <a:rPr lang="en-GB" smtClean="0"/>
-              <a:t>03/04/2024</a:t>
+              <a:t>04/04/2024</a:t>
             </a:fld>
             <a:endParaRPr lang="en-GB"/>
           </a:p>
@@ -4261,13 +4266,13 @@
   <p:clrMapOvr>
     <a:masterClrMapping/>
   </p:clrMapOvr>
-  <mc:AlternateContent xmlns:mc="http://schemas.openxmlformats.org/markup-compatibility/2006">
-    <mc:Choice xmlns:p14="http://schemas.microsoft.com/office/powerpoint/2010/main" Requires="p14">
+  <mc:AlternateContent xmlns:mc="http://schemas.openxmlformats.org/markup-compatibility/2006" xmlns:p14="http://schemas.microsoft.com/office/powerpoint/2010/main">
+    <mc:Choice Requires="p14">
       <p:transition spd="slow" p14:dur="1750">
         <p14:honeycomb/>
       </p:transition>
     </mc:Choice>
-    <mc:Fallback>
+    <mc:Fallback xmlns="">
       <p:transition spd="slow">
         <p:fade/>
       </p:transition>
@@ -4470,7 +4475,7 @@
           <a:p>
             <a:fld id="{B71EBB2C-5723-458F-BDA9-B5D99296787B}" type="datetimeFigureOut">
               <a:rPr lang="en-GB" smtClean="0"/>
-              <a:t>03/04/2024</a:t>
+              <a:t>04/04/2024</a:t>
             </a:fld>
             <a:endParaRPr lang="en-GB"/>
           </a:p>
@@ -4528,13 +4533,13 @@
   <p:clrMapOvr>
     <a:masterClrMapping/>
   </p:clrMapOvr>
-  <mc:AlternateContent xmlns:mc="http://schemas.openxmlformats.org/markup-compatibility/2006">
-    <mc:Choice xmlns:p14="http://schemas.microsoft.com/office/powerpoint/2010/main" Requires="p14">
+  <mc:AlternateContent xmlns:mc="http://schemas.openxmlformats.org/markup-compatibility/2006" xmlns:p14="http://schemas.microsoft.com/office/powerpoint/2010/main">
+    <mc:Choice Requires="p14">
       <p:transition spd="slow" p14:dur="1750">
         <p14:honeycomb/>
       </p:transition>
     </mc:Choice>
-    <mc:Fallback>
+    <mc:Fallback xmlns="">
       <p:transition spd="slow">
         <p:fade/>
       </p:transition>
@@ -4745,7 +4750,7 @@
           <a:p>
             <a:fld id="{B71EBB2C-5723-458F-BDA9-B5D99296787B}" type="datetimeFigureOut">
               <a:rPr lang="en-GB" smtClean="0"/>
-              <a:t>03/04/2024</a:t>
+              <a:t>04/04/2024</a:t>
             </a:fld>
             <a:endParaRPr lang="en-GB"/>
           </a:p>
@@ -4803,13 +4808,13 @@
   <p:clrMapOvr>
     <a:masterClrMapping/>
   </p:clrMapOvr>
-  <mc:AlternateContent xmlns:mc="http://schemas.openxmlformats.org/markup-compatibility/2006">
-    <mc:Choice xmlns:p14="http://schemas.microsoft.com/office/powerpoint/2010/main" Requires="p14">
+  <mc:AlternateContent xmlns:mc="http://schemas.openxmlformats.org/markup-compatibility/2006" xmlns:p14="http://schemas.microsoft.com/office/powerpoint/2010/main">
+    <mc:Choice Requires="p14">
       <p:transition spd="slow" p14:dur="1750">
         <p14:honeycomb/>
       </p:transition>
     </mc:Choice>
-    <mc:Fallback>
+    <mc:Fallback xmlns="">
       <p:transition spd="slow">
         <p:fade/>
       </p:transition>
@@ -5500,7 +5505,7 @@
           <a:p>
             <a:fld id="{B71EBB2C-5723-458F-BDA9-B5D99296787B}" type="datetimeFigureOut">
               <a:rPr lang="en-GB" smtClean="0"/>
-              <a:t>03/04/2024</a:t>
+              <a:t>04/04/2024</a:t>
             </a:fld>
             <a:endParaRPr lang="en-GB"/>
           </a:p>
@@ -5608,13 +5613,13 @@
     <p:sldLayoutId id="2147483675" r:id="rId15"/>
     <p:sldLayoutId id="2147483676" r:id="rId16"/>
   </p:sldLayoutIdLst>
-  <mc:AlternateContent xmlns:mc="http://schemas.openxmlformats.org/markup-compatibility/2006">
-    <mc:Choice xmlns:p14="http://schemas.microsoft.com/office/powerpoint/2010/main" Requires="p14">
+  <mc:AlternateContent xmlns:mc="http://schemas.openxmlformats.org/markup-compatibility/2006" xmlns:p14="http://schemas.microsoft.com/office/powerpoint/2010/main">
+    <mc:Choice Requires="p14">
       <p:transition spd="slow" p14:dur="1750">
         <p14:honeycomb/>
       </p:transition>
     </mc:Choice>
-    <mc:Fallback>
+    <mc:Fallback xmlns="">
       <p:transition spd="slow">
         <p:fade/>
       </p:transition>
@@ -6108,13 +6113,13 @@
   <p:clrMapOvr>
     <a:masterClrMapping/>
   </p:clrMapOvr>
-  <mc:AlternateContent xmlns:mc="http://schemas.openxmlformats.org/markup-compatibility/2006">
-    <mc:Choice xmlns:p14="http://schemas.microsoft.com/office/powerpoint/2010/main" Requires="p14">
+  <mc:AlternateContent xmlns:mc="http://schemas.openxmlformats.org/markup-compatibility/2006" xmlns:p14="http://schemas.microsoft.com/office/powerpoint/2010/main">
+    <mc:Choice Requires="p14">
       <p:transition spd="slow" p14:dur="1750">
         <p14:honeycomb/>
       </p:transition>
     </mc:Choice>
-    <mc:Fallback>
+    <mc:Fallback xmlns="">
       <p:transition spd="slow">
         <p:fade/>
       </p:transition>
@@ -6518,12 +6523,8 @@
           </a:p>
           <a:p>
             <a:r>
-              <a:rPr lang="hu-HU" sz="2800" dirty="0" err="1"/>
-              <a:t>Designe</a:t>
-            </a:r>
-            <a:r>
               <a:rPr lang="hu-HU" sz="2800" dirty="0"/>
-              <a:t> és  Drótváz.</a:t>
+              <a:t>Design és  Drótváz.</a:t>
             </a:r>
           </a:p>
           <a:p>
@@ -6622,13 +6623,13 @@
   <p:clrMapOvr>
     <a:masterClrMapping/>
   </p:clrMapOvr>
-  <mc:AlternateContent xmlns:mc="http://schemas.openxmlformats.org/markup-compatibility/2006">
-    <mc:Choice xmlns:p14="http://schemas.microsoft.com/office/powerpoint/2010/main" Requires="p14">
+  <mc:AlternateContent xmlns:mc="http://schemas.openxmlformats.org/markup-compatibility/2006" xmlns:p14="http://schemas.microsoft.com/office/powerpoint/2010/main">
+    <mc:Choice Requires="p14">
       <p:transition spd="slow" p14:dur="1750">
         <p14:honeycomb/>
       </p:transition>
     </mc:Choice>
-    <mc:Fallback>
+    <mc:Fallback xmlns="">
       <p:transition spd="slow">
         <p:fade/>
       </p:transition>
@@ -9191,7 +9192,7 @@
                         <p:par>
                           <p:cTn id="129" fill="hold">
                             <p:stCondLst>
-                              <p:cond delay="4405"/>
+                              <p:cond delay="4400"/>
                             </p:stCondLst>
                             <p:childTnLst>
                               <p:par>
@@ -9390,13 +9391,13 @@
   <p:clrMapOvr>
     <a:masterClrMapping/>
   </p:clrMapOvr>
-  <mc:AlternateContent xmlns:mc="http://schemas.openxmlformats.org/markup-compatibility/2006">
-    <mc:Choice xmlns:p14="http://schemas.microsoft.com/office/powerpoint/2010/main" Requires="p14">
+  <mc:AlternateContent xmlns:mc="http://schemas.openxmlformats.org/markup-compatibility/2006" xmlns:p14="http://schemas.microsoft.com/office/powerpoint/2010/main">
+    <mc:Choice Requires="p14">
       <p:transition spd="slow" p14:dur="1750">
         <p14:honeycomb/>
       </p:transition>
     </mc:Choice>
-    <mc:Fallback>
+    <mc:Fallback xmlns="">
       <p:transition spd="slow">
         <p:fade/>
       </p:transition>
@@ -9877,13 +9878,13 @@
   <p:clrMapOvr>
     <a:masterClrMapping/>
   </p:clrMapOvr>
-  <mc:AlternateContent xmlns:mc="http://schemas.openxmlformats.org/markup-compatibility/2006">
-    <mc:Choice xmlns:p14="http://schemas.microsoft.com/office/powerpoint/2010/main" Requires="p14">
+  <mc:AlternateContent xmlns:mc="http://schemas.openxmlformats.org/markup-compatibility/2006" xmlns:p14="http://schemas.microsoft.com/office/powerpoint/2010/main">
+    <mc:Choice Requires="p14">
       <p:transition spd="slow" p14:dur="1750">
         <p14:honeycomb/>
       </p:transition>
     </mc:Choice>
-    <mc:Fallback>
+    <mc:Fallback xmlns="">
       <p:transition spd="slow">
         <p:fade/>
       </p:transition>
@@ -10119,30 +10120,21 @@
                             </p:childTnLst>
                           </p:cTn>
                         </p:par>
-                      </p:childTnLst>
-                    </p:cTn>
-                  </p:par>
-                  <p:par>
-                    <p:cTn id="20" fill="hold">
-                      <p:stCondLst>
-                        <p:cond delay="indefinite"/>
-                      </p:stCondLst>
-                      <p:childTnLst>
                         <p:par>
-                          <p:cTn id="21" fill="hold">
+                          <p:cTn id="20" fill="hold">
                             <p:stCondLst>
-                              <p:cond delay="0"/>
+                              <p:cond delay="500"/>
                             </p:stCondLst>
                             <p:childTnLst>
                               <p:par>
-                                <p:cTn id="22" presetID="53" presetClass="entr" presetSubtype="16" fill="hold" nodeType="clickEffect">
+                                <p:cTn id="21" presetID="53" presetClass="entr" presetSubtype="16" fill="hold" nodeType="afterEffect">
                                   <p:stCondLst>
                                     <p:cond delay="0"/>
                                   </p:stCondLst>
                                   <p:childTnLst>
                                     <p:set>
                                       <p:cBhvr>
-                                        <p:cTn id="23" dur="1" fill="hold">
+                                        <p:cTn id="22" dur="1" fill="hold">
                                           <p:stCondLst>
                                             <p:cond delay="0"/>
                                           </p:stCondLst>
@@ -10160,7 +10152,7 @@
                                     </p:set>
                                     <p:anim calcmode="lin" valueType="num">
                                       <p:cBhvr>
-                                        <p:cTn id="24" dur="500" fill="hold"/>
+                                        <p:cTn id="23" dur="500" fill="hold"/>
                                         <p:tgtEl>
                                           <p:spTgt spid="9"/>
                                         </p:tgtEl>
@@ -10183,7 +10175,7 @@
                                     </p:anim>
                                     <p:anim calcmode="lin" valueType="num">
                                       <p:cBhvr>
-                                        <p:cTn id="25" dur="500" fill="hold"/>
+                                        <p:cTn id="24" dur="500" fill="hold"/>
                                         <p:tgtEl>
                                           <p:spTgt spid="9"/>
                                         </p:tgtEl>
@@ -10206,7 +10198,7 @@
                                     </p:anim>
                                     <p:animEffect transition="in" filter="fade">
                                       <p:cBhvr>
-                                        <p:cTn id="26" dur="500"/>
+                                        <p:cTn id="25" dur="500"/>
                                         <p:tgtEl>
                                           <p:spTgt spid="9"/>
                                         </p:tgtEl>
@@ -10216,14 +10208,14 @@
                                 </p:cTn>
                               </p:par>
                               <p:par>
-                                <p:cTn id="27" presetID="53" presetClass="entr" presetSubtype="16" fill="hold" nodeType="withEffect">
+                                <p:cTn id="26" presetID="53" presetClass="entr" presetSubtype="16" fill="hold" nodeType="withEffect">
                                   <p:stCondLst>
                                     <p:cond delay="0"/>
                                   </p:stCondLst>
                                   <p:childTnLst>
                                     <p:set>
                                       <p:cBhvr>
-                                        <p:cTn id="28" dur="1" fill="hold">
+                                        <p:cTn id="27" dur="1" fill="hold">
                                           <p:stCondLst>
                                             <p:cond delay="0"/>
                                           </p:stCondLst>
@@ -10241,7 +10233,7 @@
                                     </p:set>
                                     <p:anim calcmode="lin" valueType="num">
                                       <p:cBhvr>
-                                        <p:cTn id="29" dur="500" fill="hold"/>
+                                        <p:cTn id="28" dur="500" fill="hold"/>
                                         <p:tgtEl>
                                           <p:spTgt spid="7"/>
                                         </p:tgtEl>
@@ -10264,7 +10256,7 @@
                                     </p:anim>
                                     <p:anim calcmode="lin" valueType="num">
                                       <p:cBhvr>
-                                        <p:cTn id="30" dur="500" fill="hold"/>
+                                        <p:cTn id="29" dur="500" fill="hold"/>
                                         <p:tgtEl>
                                           <p:spTgt spid="7"/>
                                         </p:tgtEl>
@@ -10287,7 +10279,7 @@
                                     </p:anim>
                                     <p:animEffect transition="in" filter="fade">
                                       <p:cBhvr>
-                                        <p:cTn id="31" dur="500"/>
+                                        <p:cTn id="30" dur="500"/>
                                         <p:tgtEl>
                                           <p:spTgt spid="7"/>
                                         </p:tgtEl>
@@ -10297,14 +10289,14 @@
                                 </p:cTn>
                               </p:par>
                               <p:par>
-                                <p:cTn id="32" presetID="53" presetClass="entr" presetSubtype="16" fill="hold" nodeType="withEffect">
+                                <p:cTn id="31" presetID="53" presetClass="entr" presetSubtype="16" fill="hold" nodeType="withEffect">
                                   <p:stCondLst>
                                     <p:cond delay="0"/>
                                   </p:stCondLst>
                                   <p:childTnLst>
                                     <p:set>
                                       <p:cBhvr>
-                                        <p:cTn id="33" dur="1" fill="hold">
+                                        <p:cTn id="32" dur="1" fill="hold">
                                           <p:stCondLst>
                                             <p:cond delay="0"/>
                                           </p:stCondLst>
@@ -10322,7 +10314,7 @@
                                     </p:set>
                                     <p:anim calcmode="lin" valueType="num">
                                       <p:cBhvr>
-                                        <p:cTn id="34" dur="500" fill="hold"/>
+                                        <p:cTn id="33" dur="500" fill="hold"/>
                                         <p:tgtEl>
                                           <p:spTgt spid="5"/>
                                         </p:tgtEl>
@@ -10345,7 +10337,7 @@
                                     </p:anim>
                                     <p:anim calcmode="lin" valueType="num">
                                       <p:cBhvr>
-                                        <p:cTn id="35" dur="500" fill="hold"/>
+                                        <p:cTn id="34" dur="500" fill="hold"/>
                                         <p:tgtEl>
                                           <p:spTgt spid="5"/>
                                         </p:tgtEl>
@@ -10368,7 +10360,7 @@
                                     </p:anim>
                                     <p:animEffect transition="in" filter="fade">
                                       <p:cBhvr>
-                                        <p:cTn id="36" dur="500"/>
+                                        <p:cTn id="35" dur="500"/>
                                         <p:tgtEl>
                                           <p:spTgt spid="5"/>
                                         </p:tgtEl>
@@ -10378,14 +10370,14 @@
                                 </p:cTn>
                               </p:par>
                               <p:par>
-                                <p:cTn id="37" presetID="53" presetClass="entr" presetSubtype="16" fill="hold" nodeType="withEffect">
+                                <p:cTn id="36" presetID="53" presetClass="entr" presetSubtype="16" fill="hold" nodeType="withEffect">
                                   <p:stCondLst>
                                     <p:cond delay="0"/>
                                   </p:stCondLst>
                                   <p:childTnLst>
                                     <p:set>
                                       <p:cBhvr>
-                                        <p:cTn id="38" dur="1" fill="hold">
+                                        <p:cTn id="37" dur="1" fill="hold">
                                           <p:stCondLst>
                                             <p:cond delay="0"/>
                                           </p:stCondLst>
@@ -10403,7 +10395,7 @@
                                     </p:set>
                                     <p:anim calcmode="lin" valueType="num">
                                       <p:cBhvr>
-                                        <p:cTn id="39" dur="500" fill="hold"/>
+                                        <p:cTn id="38" dur="500" fill="hold"/>
                                         <p:tgtEl>
                                           <p:spTgt spid="11"/>
                                         </p:tgtEl>
@@ -10426,7 +10418,7 @@
                                     </p:anim>
                                     <p:anim calcmode="lin" valueType="num">
                                       <p:cBhvr>
-                                        <p:cTn id="40" dur="500" fill="hold"/>
+                                        <p:cTn id="39" dur="500" fill="hold"/>
                                         <p:tgtEl>
                                           <p:spTgt spid="11"/>
                                         </p:tgtEl>
@@ -10449,7 +10441,7 @@
                                     </p:anim>
                                     <p:animEffect transition="in" filter="fade">
                                       <p:cBhvr>
-                                        <p:cTn id="41" dur="500"/>
+                                        <p:cTn id="40" dur="500"/>
                                         <p:tgtEl>
                                           <p:spTgt spid="11"/>
                                         </p:tgtEl>
@@ -10580,13 +10572,13 @@
   <p:clrMapOvr>
     <a:masterClrMapping/>
   </p:clrMapOvr>
-  <mc:AlternateContent xmlns:mc="http://schemas.openxmlformats.org/markup-compatibility/2006">
-    <mc:Choice xmlns:p14="http://schemas.microsoft.com/office/powerpoint/2010/main" Requires="p14">
+  <mc:AlternateContent xmlns:mc="http://schemas.openxmlformats.org/markup-compatibility/2006" xmlns:p14="http://schemas.microsoft.com/office/powerpoint/2010/main">
+    <mc:Choice Requires="p14">
       <p:transition spd="slow" p14:dur="1750">
         <p14:honeycomb/>
       </p:transition>
     </mc:Choice>
-    <mc:Fallback>
+    <mc:Fallback xmlns="">
       <p:transition spd="slow">
         <p:fade/>
       </p:transition>
@@ -10765,13 +10757,13 @@
   <p:clrMapOvr>
     <a:masterClrMapping/>
   </p:clrMapOvr>
-  <mc:AlternateContent xmlns:mc="http://schemas.openxmlformats.org/markup-compatibility/2006">
-    <mc:Choice xmlns:p14="http://schemas.microsoft.com/office/powerpoint/2010/main" Requires="p14">
+  <mc:AlternateContent xmlns:mc="http://schemas.openxmlformats.org/markup-compatibility/2006" xmlns:p14="http://schemas.microsoft.com/office/powerpoint/2010/main">
+    <mc:Choice Requires="p14">
       <p:transition spd="slow" p14:dur="1750">
         <p14:honeycomb/>
       </p:transition>
     </mc:Choice>
-    <mc:Fallback>
+    <mc:Fallback xmlns="">
       <p:transition spd="slow">
         <p:fade/>
       </p:transition>
@@ -10992,13 +10984,13 @@
   <p:clrMapOvr>
     <a:masterClrMapping/>
   </p:clrMapOvr>
-  <mc:AlternateContent xmlns:mc="http://schemas.openxmlformats.org/markup-compatibility/2006">
-    <mc:Choice xmlns:p14="http://schemas.microsoft.com/office/powerpoint/2010/main" Requires="p14">
+  <mc:AlternateContent xmlns:mc="http://schemas.openxmlformats.org/markup-compatibility/2006" xmlns:p14="http://schemas.microsoft.com/office/powerpoint/2010/main">
+    <mc:Choice Requires="p14">
       <p:transition spd="slow" p14:dur="1750">
         <p14:honeycomb/>
       </p:transition>
     </mc:Choice>
-    <mc:Fallback>
+    <mc:Fallback xmlns="">
       <p:transition spd="slow">
         <p:fade/>
       </p:transition>
@@ -11311,13 +11303,13 @@
   <p:clrMapOvr>
     <a:masterClrMapping/>
   </p:clrMapOvr>
-  <mc:AlternateContent xmlns:mc="http://schemas.openxmlformats.org/markup-compatibility/2006">
-    <mc:Choice xmlns:p14="http://schemas.microsoft.com/office/powerpoint/2010/main" Requires="p14">
+  <mc:AlternateContent xmlns:mc="http://schemas.openxmlformats.org/markup-compatibility/2006" xmlns:p14="http://schemas.microsoft.com/office/powerpoint/2010/main">
+    <mc:Choice Requires="p14">
       <p:transition spd="slow" p14:dur="1750">
         <p14:honeycomb/>
       </p:transition>
     </mc:Choice>
-    <mc:Fallback>
+    <mc:Fallback xmlns="">
       <p:transition spd="slow">
         <p:fade/>
       </p:transition>
@@ -11538,13 +11530,13 @@
   <p:clrMapOvr>
     <a:masterClrMapping/>
   </p:clrMapOvr>
-  <mc:AlternateContent xmlns:mc="http://schemas.openxmlformats.org/markup-compatibility/2006">
-    <mc:Choice xmlns:p14="http://schemas.microsoft.com/office/powerpoint/2010/main" Requires="p14">
+  <mc:AlternateContent xmlns:mc="http://schemas.openxmlformats.org/markup-compatibility/2006" xmlns:p14="http://schemas.microsoft.com/office/powerpoint/2010/main">
+    <mc:Choice Requires="p14">
       <p:transition spd="slow" p14:dur="1750">
         <p14:honeycomb/>
       </p:transition>
     </mc:Choice>
-    <mc:Fallback>
+    <mc:Fallback xmlns="">
       <p:transition spd="slow">
         <p:fade/>
       </p:transition>

--- a/Uivarosi Gábriel/Recept alkalmazás.pptx
+++ b/Uivarosi Gábriel/Recept alkalmazás.pptx
@@ -9348,10 +9348,10 @@
       </p:sp>
       <p:pic>
         <p:nvPicPr>
-          <p:cNvPr id="5" name="Tartalom helye 4">
+          <p:cNvPr id="7" name="Tartalom helye 6">
             <a:extLst>
               <a:ext uri="{FF2B5EF4-FFF2-40B4-BE49-F238E27FC236}">
-                <a16:creationId xmlns:a16="http://schemas.microsoft.com/office/drawing/2014/main" id="{0699C82F-9F6D-4969-AB7A-6CEA43C18F78}"/>
+                <a16:creationId xmlns:a16="http://schemas.microsoft.com/office/drawing/2014/main" id="{C31F4BBA-B487-452C-97A8-AF8FDF3E6E6B}"/>
               </a:ext>
             </a:extLst>
           </p:cNvPr>
@@ -9376,8 +9376,8 @@
         </p:blipFill>
         <p:spPr>
           <a:xfrm>
-            <a:off x="410828" y="1674278"/>
-            <a:ext cx="10358772" cy="5040848"/>
+            <a:off x="0" y="1391431"/>
+            <a:ext cx="9683988" cy="5466569"/>
           </a:xfrm>
         </p:spPr>
       </p:pic>
@@ -9475,79 +9475,6 @@
                                         <p:cTn id="8" dur="500" fill="hold"/>
                                         <p:tgtEl>
                                           <p:spTgt spid="2"/>
-                                        </p:tgtEl>
-                                        <p:attrNameLst>
-                                          <p:attrName>ppt_y</p:attrName>
-                                        </p:attrNameLst>
-                                      </p:cBhvr>
-                                      <p:tavLst>
-                                        <p:tav tm="0">
-                                          <p:val>
-                                            <p:strVal val="1+#ppt_h/2"/>
-                                          </p:val>
-                                        </p:tav>
-                                        <p:tav tm="100000">
-                                          <p:val>
-                                            <p:strVal val="#ppt_y"/>
-                                          </p:val>
-                                        </p:tav>
-                                      </p:tavLst>
-                                    </p:anim>
-                                  </p:childTnLst>
-                                </p:cTn>
-                              </p:par>
-                              <p:par>
-                                <p:cTn id="9" presetID="2" presetClass="entr" presetSubtype="4" fill="hold" nodeType="withEffect">
-                                  <p:stCondLst>
-                                    <p:cond delay="0"/>
-                                  </p:stCondLst>
-                                  <p:childTnLst>
-                                    <p:set>
-                                      <p:cBhvr>
-                                        <p:cTn id="10" dur="1" fill="hold">
-                                          <p:stCondLst>
-                                            <p:cond delay="0"/>
-                                          </p:stCondLst>
-                                        </p:cTn>
-                                        <p:tgtEl>
-                                          <p:spTgt spid="5"/>
-                                        </p:tgtEl>
-                                        <p:attrNameLst>
-                                          <p:attrName>style.visibility</p:attrName>
-                                        </p:attrNameLst>
-                                      </p:cBhvr>
-                                      <p:to>
-                                        <p:strVal val="visible"/>
-                                      </p:to>
-                                    </p:set>
-                                    <p:anim calcmode="lin" valueType="num">
-                                      <p:cBhvr additive="base">
-                                        <p:cTn id="11" dur="500" fill="hold"/>
-                                        <p:tgtEl>
-                                          <p:spTgt spid="5"/>
-                                        </p:tgtEl>
-                                        <p:attrNameLst>
-                                          <p:attrName>ppt_x</p:attrName>
-                                        </p:attrNameLst>
-                                      </p:cBhvr>
-                                      <p:tavLst>
-                                        <p:tav tm="0">
-                                          <p:val>
-                                            <p:strVal val="#ppt_x"/>
-                                          </p:val>
-                                        </p:tav>
-                                        <p:tav tm="100000">
-                                          <p:val>
-                                            <p:strVal val="#ppt_x"/>
-                                          </p:val>
-                                        </p:tav>
-                                      </p:tavLst>
-                                    </p:anim>
-                                    <p:anim calcmode="lin" valueType="num">
-                                      <p:cBhvr additive="base">
-                                        <p:cTn id="12" dur="500" fill="hold"/>
-                                        <p:tgtEl>
-                                          <p:spTgt spid="5"/>
                                         </p:tgtEl>
                                         <p:attrNameLst>
                                           <p:attrName>ppt_y</p:attrName>
@@ -10941,10 +10868,10 @@
       </p:sp>
       <p:pic>
         <p:nvPicPr>
-          <p:cNvPr id="5" name="Tartalom helye 4">
+          <p:cNvPr id="11" name="Tartalom helye 10">
             <a:extLst>
               <a:ext uri="{FF2B5EF4-FFF2-40B4-BE49-F238E27FC236}">
-                <a16:creationId xmlns:a16="http://schemas.microsoft.com/office/drawing/2014/main" id="{18822E73-3142-49E6-B8AA-E8EB1852085D}"/>
+                <a16:creationId xmlns:a16="http://schemas.microsoft.com/office/drawing/2014/main" id="{F45E2D0B-E53F-4F18-9CEB-13628BEBBDD7}"/>
               </a:ext>
             </a:extLst>
           </p:cNvPr>
@@ -10969,8 +10896,8 @@
         </p:blipFill>
         <p:spPr>
           <a:xfrm>
-            <a:off x="2488628" y="1575945"/>
-            <a:ext cx="4974080" cy="4974080"/>
+            <a:off x="1381568" y="1504630"/>
+            <a:ext cx="7188200" cy="5210495"/>
           </a:xfrm>
         </p:spPr>
       </p:pic>
@@ -11076,87 +11003,6 @@
                                         <p:cTn id="9" dur="2000" fill="hold"/>
                                         <p:tgtEl>
                                           <p:spTgt spid="2"/>
-                                        </p:tgtEl>
-                                        <p:attrNameLst>
-                                          <p:attrName>ppt_h</p:attrName>
-                                        </p:attrNameLst>
-                                      </p:cBhvr>
-                                      <p:tavLst>
-                                        <p:tav tm="0">
-                                          <p:val>
-                                            <p:strVal val="#ppt_h"/>
-                                          </p:val>
-                                        </p:tav>
-                                        <p:tav tm="100000">
-                                          <p:val>
-                                            <p:strVal val="#ppt_h"/>
-                                          </p:val>
-                                        </p:tav>
-                                      </p:tavLst>
-                                    </p:anim>
-                                  </p:childTnLst>
-                                </p:cTn>
-                              </p:par>
-                              <p:par>
-                                <p:cTn id="10" presetID="45" presetClass="entr" presetSubtype="0" fill="hold" nodeType="withEffect">
-                                  <p:stCondLst>
-                                    <p:cond delay="0"/>
-                                  </p:stCondLst>
-                                  <p:childTnLst>
-                                    <p:set>
-                                      <p:cBhvr>
-                                        <p:cTn id="11" dur="1" fill="hold">
-                                          <p:stCondLst>
-                                            <p:cond delay="0"/>
-                                          </p:stCondLst>
-                                        </p:cTn>
-                                        <p:tgtEl>
-                                          <p:spTgt spid="5"/>
-                                        </p:tgtEl>
-                                        <p:attrNameLst>
-                                          <p:attrName>style.visibility</p:attrName>
-                                        </p:attrNameLst>
-                                      </p:cBhvr>
-                                      <p:to>
-                                        <p:strVal val="visible"/>
-                                      </p:to>
-                                    </p:set>
-                                    <p:animEffect transition="in" filter="fade">
-                                      <p:cBhvr>
-                                        <p:cTn id="12" dur="2000"/>
-                                        <p:tgtEl>
-                                          <p:spTgt spid="5"/>
-                                        </p:tgtEl>
-                                      </p:cBhvr>
-                                    </p:animEffect>
-                                    <p:anim calcmode="lin" valueType="num">
-                                      <p:cBhvr>
-                                        <p:cTn id="13" dur="2000" fill="hold"/>
-                                        <p:tgtEl>
-                                          <p:spTgt spid="5"/>
-                                        </p:tgtEl>
-                                        <p:attrNameLst>
-                                          <p:attrName>ppt_w</p:attrName>
-                                        </p:attrNameLst>
-                                      </p:cBhvr>
-                                      <p:tavLst>
-                                        <p:tav tm="0" fmla="#ppt_w*sin(2.5*pi*$)">
-                                          <p:val>
-                                            <p:fltVal val="0"/>
-                                          </p:val>
-                                        </p:tav>
-                                        <p:tav tm="100000">
-                                          <p:val>
-                                            <p:fltVal val="1"/>
-                                          </p:val>
-                                        </p:tav>
-                                      </p:tavLst>
-                                    </p:anim>
-                                    <p:anim calcmode="lin" valueType="num">
-                                      <p:cBhvr>
-                                        <p:cTn id="14" dur="2000" fill="hold"/>
-                                        <p:tgtEl>
-                                          <p:spTgt spid="5"/>
                                         </p:tgtEl>
                                         <p:attrNameLst>
                                           <p:attrName>ppt_h</p:attrName>

--- a/Uivarosi Gábriel/Recept alkalmazás.pptx
+++ b/Uivarosi Gábriel/Recept alkalmazás.pptx
@@ -842,7 +842,7 @@
           <a:p>
             <a:fld id="{B71EBB2C-5723-458F-BDA9-B5D99296787B}" type="datetimeFigureOut">
               <a:rPr lang="en-GB" smtClean="0"/>
-              <a:t>04/04/2024</a:t>
+              <a:t>05/04/2024</a:t>
             </a:fld>
             <a:endParaRPr lang="en-GB"/>
           </a:p>
@@ -1105,7 +1105,7 @@
           <a:p>
             <a:fld id="{B71EBB2C-5723-458F-BDA9-B5D99296787B}" type="datetimeFigureOut">
               <a:rPr lang="en-GB" smtClean="0"/>
-              <a:t>04/04/2024</a:t>
+              <a:t>05/04/2024</a:t>
             </a:fld>
             <a:endParaRPr lang="en-GB"/>
           </a:p>
@@ -1431,7 +1431,7 @@
           <a:p>
             <a:fld id="{B71EBB2C-5723-458F-BDA9-B5D99296787B}" type="datetimeFigureOut">
               <a:rPr lang="en-GB" smtClean="0"/>
-              <a:t>04/04/2024</a:t>
+              <a:t>05/04/2024</a:t>
             </a:fld>
             <a:endParaRPr lang="en-GB"/>
           </a:p>
@@ -1784,7 +1784,7 @@
           <a:p>
             <a:fld id="{B71EBB2C-5723-458F-BDA9-B5D99296787B}" type="datetimeFigureOut">
               <a:rPr lang="en-GB" smtClean="0"/>
-              <a:t>04/04/2024</a:t>
+              <a:t>05/04/2024</a:t>
             </a:fld>
             <a:endParaRPr lang="en-GB"/>
           </a:p>
@@ -2110,7 +2110,7 @@
           <a:p>
             <a:fld id="{B71EBB2C-5723-458F-BDA9-B5D99296787B}" type="datetimeFigureOut">
               <a:rPr lang="en-GB" smtClean="0"/>
-              <a:t>04/04/2024</a:t>
+              <a:t>05/04/2024</a:t>
             </a:fld>
             <a:endParaRPr lang="en-GB"/>
           </a:p>
@@ -2515,7 +2515,7 @@
           <a:p>
             <a:fld id="{B71EBB2C-5723-458F-BDA9-B5D99296787B}" type="datetimeFigureOut">
               <a:rPr lang="en-GB" smtClean="0"/>
-              <a:t>04/04/2024</a:t>
+              <a:t>05/04/2024</a:t>
             </a:fld>
             <a:endParaRPr lang="en-GB"/>
           </a:p>
@@ -2697,7 +2697,7 @@
           <a:p>
             <a:fld id="{B71EBB2C-5723-458F-BDA9-B5D99296787B}" type="datetimeFigureOut">
               <a:rPr lang="en-GB" smtClean="0"/>
-              <a:t>04/04/2024</a:t>
+              <a:t>05/04/2024</a:t>
             </a:fld>
             <a:endParaRPr lang="en-GB"/>
           </a:p>
@@ -2889,7 +2889,7 @@
           <a:p>
             <a:fld id="{B71EBB2C-5723-458F-BDA9-B5D99296787B}" type="datetimeFigureOut">
               <a:rPr lang="en-GB" smtClean="0"/>
-              <a:t>04/04/2024</a:t>
+              <a:t>05/04/2024</a:t>
             </a:fld>
             <a:endParaRPr lang="en-GB"/>
           </a:p>
@@ -3077,7 +3077,7 @@
           <a:p>
             <a:fld id="{B71EBB2C-5723-458F-BDA9-B5D99296787B}" type="datetimeFigureOut">
               <a:rPr lang="en-GB" smtClean="0"/>
-              <a:t>04/04/2024</a:t>
+              <a:t>05/04/2024</a:t>
             </a:fld>
             <a:endParaRPr lang="en-GB"/>
           </a:p>
@@ -3336,7 +3336,7 @@
           <a:p>
             <a:fld id="{B71EBB2C-5723-458F-BDA9-B5D99296787B}" type="datetimeFigureOut">
               <a:rPr lang="en-GB" smtClean="0"/>
-              <a:t>04/04/2024</a:t>
+              <a:t>05/04/2024</a:t>
             </a:fld>
             <a:endParaRPr lang="en-GB"/>
           </a:p>
@@ -3580,7 +3580,7 @@
           <a:p>
             <a:fld id="{B71EBB2C-5723-458F-BDA9-B5D99296787B}" type="datetimeFigureOut">
               <a:rPr lang="en-GB" smtClean="0"/>
-              <a:t>04/04/2024</a:t>
+              <a:t>05/04/2024</a:t>
             </a:fld>
             <a:endParaRPr lang="en-GB"/>
           </a:p>
@@ -3966,7 +3966,7 @@
           <a:p>
             <a:fld id="{B71EBB2C-5723-458F-BDA9-B5D99296787B}" type="datetimeFigureOut">
               <a:rPr lang="en-GB" smtClean="0"/>
-              <a:t>04/04/2024</a:t>
+              <a:t>05/04/2024</a:t>
             </a:fld>
             <a:endParaRPr lang="en-GB"/>
           </a:p>
@@ -4101,7 +4101,7 @@
           <a:p>
             <a:fld id="{B71EBB2C-5723-458F-BDA9-B5D99296787B}" type="datetimeFigureOut">
               <a:rPr lang="en-GB" smtClean="0"/>
-              <a:t>04/04/2024</a:t>
+              <a:t>05/04/2024</a:t>
             </a:fld>
             <a:endParaRPr lang="en-GB"/>
           </a:p>
@@ -4208,7 +4208,7 @@
           <a:p>
             <a:fld id="{B71EBB2C-5723-458F-BDA9-B5D99296787B}" type="datetimeFigureOut">
               <a:rPr lang="en-GB" smtClean="0"/>
-              <a:t>04/04/2024</a:t>
+              <a:t>05/04/2024</a:t>
             </a:fld>
             <a:endParaRPr lang="en-GB"/>
           </a:p>
@@ -4475,7 +4475,7 @@
           <a:p>
             <a:fld id="{B71EBB2C-5723-458F-BDA9-B5D99296787B}" type="datetimeFigureOut">
               <a:rPr lang="en-GB" smtClean="0"/>
-              <a:t>04/04/2024</a:t>
+              <a:t>05/04/2024</a:t>
             </a:fld>
             <a:endParaRPr lang="en-GB"/>
           </a:p>
@@ -4750,7 +4750,7 @@
           <a:p>
             <a:fld id="{B71EBB2C-5723-458F-BDA9-B5D99296787B}" type="datetimeFigureOut">
               <a:rPr lang="en-GB" smtClean="0"/>
-              <a:t>04/04/2024</a:t>
+              <a:t>05/04/2024</a:t>
             </a:fld>
             <a:endParaRPr lang="en-GB"/>
           </a:p>
@@ -5505,7 +5505,7 @@
           <a:p>
             <a:fld id="{B71EBB2C-5723-458F-BDA9-B5D99296787B}" type="datetimeFigureOut">
               <a:rPr lang="en-GB" smtClean="0"/>
-              <a:t>04/04/2024</a:t>
+              <a:t>05/04/2024</a:t>
             </a:fld>
             <a:endParaRPr lang="en-GB"/>
           </a:p>
@@ -10868,10 +10868,10 @@
       </p:sp>
       <p:pic>
         <p:nvPicPr>
-          <p:cNvPr id="11" name="Tartalom helye 10">
+          <p:cNvPr id="6" name="Tartalom helye 5">
             <a:extLst>
               <a:ext uri="{FF2B5EF4-FFF2-40B4-BE49-F238E27FC236}">
-                <a16:creationId xmlns:a16="http://schemas.microsoft.com/office/drawing/2014/main" id="{F45E2D0B-E53F-4F18-9CEB-13628BEBBDD7}"/>
+                <a16:creationId xmlns:a16="http://schemas.microsoft.com/office/drawing/2014/main" id="{84E9BC4E-BDEE-420A-8C0E-110D5346D764}"/>
               </a:ext>
             </a:extLst>
           </p:cNvPr>
@@ -10896,8 +10896,8 @@
         </p:blipFill>
         <p:spPr>
           <a:xfrm>
-            <a:off x="1381568" y="1504630"/>
-            <a:ext cx="7188200" cy="5210495"/>
+            <a:off x="951706" y="2146300"/>
+            <a:ext cx="8680449" cy="4340225"/>
           </a:xfrm>
         </p:spPr>
       </p:pic>
@@ -11003,6 +11003,87 @@
                                         <p:cTn id="9" dur="2000" fill="hold"/>
                                         <p:tgtEl>
                                           <p:spTgt spid="2"/>
+                                        </p:tgtEl>
+                                        <p:attrNameLst>
+                                          <p:attrName>ppt_h</p:attrName>
+                                        </p:attrNameLst>
+                                      </p:cBhvr>
+                                      <p:tavLst>
+                                        <p:tav tm="0">
+                                          <p:val>
+                                            <p:strVal val="#ppt_h"/>
+                                          </p:val>
+                                        </p:tav>
+                                        <p:tav tm="100000">
+                                          <p:val>
+                                            <p:strVal val="#ppt_h"/>
+                                          </p:val>
+                                        </p:tav>
+                                      </p:tavLst>
+                                    </p:anim>
+                                  </p:childTnLst>
+                                </p:cTn>
+                              </p:par>
+                              <p:par>
+                                <p:cTn id="10" presetID="45" presetClass="entr" presetSubtype="0" fill="hold" nodeType="withEffect">
+                                  <p:stCondLst>
+                                    <p:cond delay="0"/>
+                                  </p:stCondLst>
+                                  <p:childTnLst>
+                                    <p:set>
+                                      <p:cBhvr>
+                                        <p:cTn id="11" dur="1" fill="hold">
+                                          <p:stCondLst>
+                                            <p:cond delay="0"/>
+                                          </p:stCondLst>
+                                        </p:cTn>
+                                        <p:tgtEl>
+                                          <p:spTgt spid="6"/>
+                                        </p:tgtEl>
+                                        <p:attrNameLst>
+                                          <p:attrName>style.visibility</p:attrName>
+                                        </p:attrNameLst>
+                                      </p:cBhvr>
+                                      <p:to>
+                                        <p:strVal val="visible"/>
+                                      </p:to>
+                                    </p:set>
+                                    <p:animEffect transition="in" filter="fade">
+                                      <p:cBhvr>
+                                        <p:cTn id="12" dur="2000"/>
+                                        <p:tgtEl>
+                                          <p:spTgt spid="6"/>
+                                        </p:tgtEl>
+                                      </p:cBhvr>
+                                    </p:animEffect>
+                                    <p:anim calcmode="lin" valueType="num">
+                                      <p:cBhvr>
+                                        <p:cTn id="13" dur="2000" fill="hold"/>
+                                        <p:tgtEl>
+                                          <p:spTgt spid="6"/>
+                                        </p:tgtEl>
+                                        <p:attrNameLst>
+                                          <p:attrName>ppt_w</p:attrName>
+                                        </p:attrNameLst>
+                                      </p:cBhvr>
+                                      <p:tavLst>
+                                        <p:tav tm="0" fmla="#ppt_w*sin(2.5*pi*$)">
+                                          <p:val>
+                                            <p:fltVal val="0"/>
+                                          </p:val>
+                                        </p:tav>
+                                        <p:tav tm="100000">
+                                          <p:val>
+                                            <p:fltVal val="1"/>
+                                          </p:val>
+                                        </p:tav>
+                                      </p:tavLst>
+                                    </p:anim>
+                                    <p:anim calcmode="lin" valueType="num">
+                                      <p:cBhvr>
+                                        <p:cTn id="14" dur="2000" fill="hold"/>
+                                        <p:tgtEl>
+                                          <p:spTgt spid="6"/>
                                         </p:tgtEl>
                                         <p:attrNameLst>
                                           <p:attrName>ppt_h</p:attrName>
@@ -11106,10 +11187,10 @@
       </p:sp>
       <p:pic>
         <p:nvPicPr>
-          <p:cNvPr id="5" name="Tartalom helye 4">
+          <p:cNvPr id="11" name="Tartalom helye 10">
             <a:extLst>
               <a:ext uri="{FF2B5EF4-FFF2-40B4-BE49-F238E27FC236}">
-                <a16:creationId xmlns:a16="http://schemas.microsoft.com/office/drawing/2014/main" id="{D45A7CD9-F4C2-4E52-84FD-5A0B3BC37966}"/>
+                <a16:creationId xmlns:a16="http://schemas.microsoft.com/office/drawing/2014/main" id="{D3BF7D44-5578-4DCB-A107-691CD4B34B3B}"/>
               </a:ext>
             </a:extLst>
           </p:cNvPr>
@@ -11133,9 +11214,9 @@
           </a:stretch>
         </p:blipFill>
         <p:spPr>
-          <a:xfrm rot="20673774">
-            <a:off x="2230240" y="2043850"/>
-            <a:ext cx="3917945" cy="3917945"/>
+          <a:xfrm>
+            <a:off x="1094231" y="1930401"/>
+            <a:ext cx="8635999" cy="4318000"/>
           </a:xfrm>
         </p:spPr>
       </p:pic>
@@ -11230,7 +11311,7 @@
                                           </p:stCondLst>
                                         </p:cTn>
                                         <p:tgtEl>
-                                          <p:spTgt spid="5"/>
+                                          <p:spTgt spid="11"/>
                                         </p:tgtEl>
                                         <p:attrNameLst>
                                           <p:attrName>style.visibility</p:attrName>
@@ -11244,7 +11325,7 @@
                                       <p:cBhvr>
                                         <p:cTn id="10" dur="2000"/>
                                         <p:tgtEl>
-                                          <p:spTgt spid="5"/>
+                                          <p:spTgt spid="11"/>
                                         </p:tgtEl>
                                       </p:cBhvr>
                                     </p:animEffect>
